--- a/Slides/Lesson 2.4 Design Patterns (contd).pptx
+++ b/Slides/Lesson 2.4 Design Patterns (contd).pptx
@@ -4396,6 +4396,78 @@
           </a:p>
         </p:txBody>
       </p:sp>
+      <p:sp>
+        <p:nvSpPr>
+          <p:cNvPr id="5" name="Rectangle 4">
+            <a:extLst>
+              <a:ext uri="{FF2B5EF4-FFF2-40B4-BE49-F238E27FC236}">
+                <a16:creationId xmlns:a16="http://schemas.microsoft.com/office/drawing/2014/main" id="{531E0F83-128C-4844-B1D8-8287D973A350}"/>
+              </a:ext>
+            </a:extLst>
+          </p:cNvPr>
+          <p:cNvSpPr/>
+          <p:nvPr/>
+        </p:nvSpPr>
+        <p:spPr>
+          <a:xfrm>
+            <a:off x="705730" y="5869671"/>
+            <a:ext cx="6096000" cy="646331"/>
+          </a:xfrm>
+          <a:prstGeom prst="rect">
+            <a:avLst/>
+          </a:prstGeom>
+        </p:spPr>
+        <p:txBody>
+          <a:bodyPr>
+            <a:spAutoFit/>
+          </a:bodyPr>
+          <a:lstStyle/>
+          <a:p>
+            <a:r>
+              <a:rPr lang="en-US" dirty="0">
+                <a:solidFill>
+                  <a:srgbClr val="5C5962"/>
+                </a:solidFill>
+              </a:rPr>
+              <a:t>© 2021 Jonathan Bell, John </a:t>
+            </a:r>
+            <a:r>
+              <a:rPr lang="en-US" dirty="0" err="1">
+                <a:solidFill>
+                  <a:srgbClr val="5C5962"/>
+                </a:solidFill>
+              </a:rPr>
+              <a:t>Boyland</a:t>
+            </a:r>
+            <a:r>
+              <a:rPr lang="en-US" dirty="0">
+                <a:solidFill>
+                  <a:srgbClr val="5C5962"/>
+                </a:solidFill>
+              </a:rPr>
+              <a:t> and Mitch Wand. Released under the </a:t>
+            </a:r>
+            <a:r>
+              <a:rPr lang="en-US" dirty="0">
+                <a:solidFill>
+                  <a:srgbClr val="D41B2C"/>
+                </a:solidFill>
+                <a:hlinkClick r:id="rId2"/>
+              </a:rPr>
+              <a:t>CC BY-SA</a:t>
+            </a:r>
+            <a:r>
+              <a:rPr lang="en-US" dirty="0">
+                <a:solidFill>
+                  <a:srgbClr val="5C5962"/>
+                </a:solidFill>
+              </a:rPr>
+              <a:t> license</a:t>
+            </a:r>
+            <a:endParaRPr lang="en-US" dirty="0"/>
+          </a:p>
+        </p:txBody>
+      </p:sp>
     </p:spTree>
     <p:extLst>
       <p:ext uri="{BB962C8B-B14F-4D97-AF65-F5344CB8AC3E}">
@@ -5198,7 +5270,7 @@
           <a:p>
             <a:r>
               <a:rPr lang="en-US" dirty="0"/>
-              <a:t>Problem</a:t>
+              <a:t>Problem #2</a:t>
             </a:r>
           </a:p>
         </p:txBody>
@@ -7765,7 +7837,7 @@
                                       <p:cBhvr>
                                         <p:cTn id="6" dur="1" fill="hold">
                                           <p:stCondLst>
-                                            <p:cond delay="999"/>
+                                            <p:cond delay="9"/>
                                           </p:stCondLst>
                                         </p:cTn>
                                         <p:tgtEl>
@@ -8270,7 +8342,7 @@
                             </p:stCondLst>
                             <p:childTnLst>
                               <p:par>
-                                <p:cTn id="5" presetID="1" presetClass="entr" presetSubtype="0" fill="hold" grpId="0" nodeType="clickEffect">
+                                <p:cTn id="5" presetID="1" presetClass="entr" presetSubtype="0" fill="hold" nodeType="clickEffect">
                                   <p:stCondLst>
                                     <p:cond delay="0"/>
                                   </p:stCondLst>
@@ -8283,7 +8355,248 @@
                                           </p:stCondLst>
                                         </p:cTn>
                                         <p:tgtEl>
+                                          <p:spTgt spid="3">
+                                            <p:txEl>
+                                              <p:pRg st="0" end="0"/>
+                                            </p:txEl>
+                                          </p:spTgt>
+                                        </p:tgtEl>
+                                        <p:attrNameLst>
+                                          <p:attrName>style.visibility</p:attrName>
+                                        </p:attrNameLst>
+                                      </p:cBhvr>
+                                      <p:to>
+                                        <p:strVal val="visible"/>
+                                      </p:to>
+                                    </p:set>
+                                  </p:childTnLst>
+                                </p:cTn>
+                              </p:par>
+                            </p:childTnLst>
+                          </p:cTn>
+                        </p:par>
+                      </p:childTnLst>
+                    </p:cTn>
+                  </p:par>
+                  <p:par>
+                    <p:cTn id="7" fill="hold">
+                      <p:stCondLst>
+                        <p:cond delay="indefinite"/>
+                      </p:stCondLst>
+                      <p:childTnLst>
+                        <p:par>
+                          <p:cTn id="8" fill="hold">
+                            <p:stCondLst>
+                              <p:cond delay="0"/>
+                            </p:stCondLst>
+                            <p:childTnLst>
+                              <p:par>
+                                <p:cTn id="9" presetID="1" presetClass="entr" presetSubtype="0" fill="hold" grpId="0" nodeType="clickEffect">
+                                  <p:stCondLst>
+                                    <p:cond delay="0"/>
+                                  </p:stCondLst>
+                                  <p:childTnLst>
+                                    <p:set>
+                                      <p:cBhvr>
+                                        <p:cTn id="10" dur="1" fill="hold">
+                                          <p:stCondLst>
+                                            <p:cond delay="0"/>
+                                          </p:stCondLst>
+                                        </p:cTn>
+                                        <p:tgtEl>
+                                          <p:spTgt spid="5"/>
+                                        </p:tgtEl>
+                                        <p:attrNameLst>
+                                          <p:attrName>style.visibility</p:attrName>
+                                        </p:attrNameLst>
+                                      </p:cBhvr>
+                                      <p:to>
+                                        <p:strVal val="visible"/>
+                                      </p:to>
+                                    </p:set>
+                                  </p:childTnLst>
+                                </p:cTn>
+                              </p:par>
+                            </p:childTnLst>
+                          </p:cTn>
+                        </p:par>
+                      </p:childTnLst>
+                    </p:cTn>
+                  </p:par>
+                  <p:par>
+                    <p:cTn id="11" fill="hold">
+                      <p:stCondLst>
+                        <p:cond delay="indefinite"/>
+                      </p:stCondLst>
+                      <p:childTnLst>
+                        <p:par>
+                          <p:cTn id="12" fill="hold">
+                            <p:stCondLst>
+                              <p:cond delay="0"/>
+                            </p:stCondLst>
+                            <p:childTnLst>
+                              <p:par>
+                                <p:cTn id="13" presetID="1" presetClass="entr" presetSubtype="0" fill="hold" nodeType="clickEffect">
+                                  <p:stCondLst>
+                                    <p:cond delay="0"/>
+                                  </p:stCondLst>
+                                  <p:childTnLst>
+                                    <p:set>
+                                      <p:cBhvr>
+                                        <p:cTn id="14" dur="1" fill="hold">
+                                          <p:stCondLst>
+                                            <p:cond delay="0"/>
+                                          </p:stCondLst>
+                                        </p:cTn>
+                                        <p:tgtEl>
+                                          <p:spTgt spid="3">
+                                            <p:txEl>
+                                              <p:pRg st="1" end="1"/>
+                                            </p:txEl>
+                                          </p:spTgt>
+                                        </p:tgtEl>
+                                        <p:attrNameLst>
+                                          <p:attrName>style.visibility</p:attrName>
+                                        </p:attrNameLst>
+                                      </p:cBhvr>
+                                      <p:to>
+                                        <p:strVal val="visible"/>
+                                      </p:to>
+                                    </p:set>
+                                  </p:childTnLst>
+                                </p:cTn>
+                              </p:par>
+                            </p:childTnLst>
+                          </p:cTn>
+                        </p:par>
+                      </p:childTnLst>
+                    </p:cTn>
+                  </p:par>
+                  <p:par>
+                    <p:cTn id="15" fill="hold">
+                      <p:stCondLst>
+                        <p:cond delay="indefinite"/>
+                      </p:stCondLst>
+                      <p:childTnLst>
+                        <p:par>
+                          <p:cTn id="16" fill="hold">
+                            <p:stCondLst>
+                              <p:cond delay="0"/>
+                            </p:stCondLst>
+                            <p:childTnLst>
+                              <p:par>
+                                <p:cTn id="17" presetID="1" presetClass="entr" presetSubtype="0" fill="hold" grpId="0" nodeType="clickEffect">
+                                  <p:stCondLst>
+                                    <p:cond delay="0"/>
+                                  </p:stCondLst>
+                                  <p:childTnLst>
+                                    <p:set>
+                                      <p:cBhvr>
+                                        <p:cTn id="18" dur="1" fill="hold">
+                                          <p:stCondLst>
+                                            <p:cond delay="0"/>
+                                          </p:stCondLst>
+                                        </p:cTn>
+                                        <p:tgtEl>
                                           <p:spTgt spid="6"/>
+                                        </p:tgtEl>
+                                        <p:attrNameLst>
+                                          <p:attrName>style.visibility</p:attrName>
+                                        </p:attrNameLst>
+                                      </p:cBhvr>
+                                      <p:to>
+                                        <p:strVal val="visible"/>
+                                      </p:to>
+                                    </p:set>
+                                  </p:childTnLst>
+                                </p:cTn>
+                              </p:par>
+                            </p:childTnLst>
+                          </p:cTn>
+                        </p:par>
+                      </p:childTnLst>
+                    </p:cTn>
+                  </p:par>
+                  <p:par>
+                    <p:cTn id="19" fill="hold">
+                      <p:stCondLst>
+                        <p:cond delay="indefinite"/>
+                      </p:stCondLst>
+                      <p:childTnLst>
+                        <p:par>
+                          <p:cTn id="20" fill="hold">
+                            <p:stCondLst>
+                              <p:cond delay="0"/>
+                            </p:stCondLst>
+                            <p:childTnLst>
+                              <p:par>
+                                <p:cTn id="21" presetID="1" presetClass="entr" presetSubtype="0" fill="hold" nodeType="clickEffect">
+                                  <p:stCondLst>
+                                    <p:cond delay="0"/>
+                                  </p:stCondLst>
+                                  <p:childTnLst>
+                                    <p:set>
+                                      <p:cBhvr>
+                                        <p:cTn id="22" dur="1" fill="hold">
+                                          <p:stCondLst>
+                                            <p:cond delay="0"/>
+                                          </p:stCondLst>
+                                        </p:cTn>
+                                        <p:tgtEl>
+                                          <p:spTgt spid="3">
+                                            <p:txEl>
+                                              <p:pRg st="2" end="2"/>
+                                            </p:txEl>
+                                          </p:spTgt>
+                                        </p:tgtEl>
+                                        <p:attrNameLst>
+                                          <p:attrName>style.visibility</p:attrName>
+                                        </p:attrNameLst>
+                                      </p:cBhvr>
+                                      <p:to>
+                                        <p:strVal val="visible"/>
+                                      </p:to>
+                                    </p:set>
+                                  </p:childTnLst>
+                                </p:cTn>
+                              </p:par>
+                            </p:childTnLst>
+                          </p:cTn>
+                        </p:par>
+                      </p:childTnLst>
+                    </p:cTn>
+                  </p:par>
+                  <p:par>
+                    <p:cTn id="23" fill="hold">
+                      <p:stCondLst>
+                        <p:cond delay="indefinite"/>
+                      </p:stCondLst>
+                      <p:childTnLst>
+                        <p:par>
+                          <p:cTn id="24" fill="hold">
+                            <p:stCondLst>
+                              <p:cond delay="0"/>
+                            </p:stCondLst>
+                            <p:childTnLst>
+                              <p:par>
+                                <p:cTn id="25" presetID="1" presetClass="entr" presetSubtype="0" fill="hold" nodeType="clickEffect">
+                                  <p:stCondLst>
+                                    <p:cond delay="0"/>
+                                  </p:stCondLst>
+                                  <p:childTnLst>
+                                    <p:set>
+                                      <p:cBhvr>
+                                        <p:cTn id="26" dur="1" fill="hold">
+                                          <p:stCondLst>
+                                            <p:cond delay="0"/>
+                                          </p:stCondLst>
+                                        </p:cTn>
+                                        <p:tgtEl>
+                                          <p:spTgt spid="3">
+                                            <p:txEl>
+                                              <p:pRg st="3" end="3"/>
+                                            </p:txEl>
+                                          </p:spTgt>
                                         </p:tgtEl>
                                         <p:attrNameLst>
                                           <p:attrName>style.visibility</p:attrName>
@@ -8324,6 +8637,7 @@
       </p:par>
     </p:tnLst>
     <p:bldLst>
+      <p:bldP spid="5" grpId="0" animBg="1"/>
       <p:bldP spid="6" grpId="0" animBg="1"/>
     </p:bldLst>
   </p:timing>
@@ -9827,7 +10141,7 @@
                 </a:solidFill>
                 <a:latin typeface="Ink Free" panose="03080402000500000000" pitchFamily="66" charset="0"/>
               </a:rPr>
-              <a:t>Passes the visitor on to its back.</a:t>
+              <a:t>Passes the visitor on to its back shape.</a:t>
             </a:r>
           </a:p>
           <a:p>
@@ -9855,7 +10169,7 @@
                 </a:solidFill>
                 <a:latin typeface="Ink Free" panose="03080402000500000000" pitchFamily="66" charset="0"/>
               </a:rPr>
-              <a:t>Passes the visitor on its front.</a:t>
+              <a:t>Passes the visitor on to its front shape.</a:t>
             </a:r>
           </a:p>
         </p:txBody>
@@ -10018,11 +10332,11 @@
                                       <p:cBhvr>
                                         <p:cTn id="6" dur="1" fill="hold">
                                           <p:stCondLst>
-                                            <p:cond delay="999"/>
+                                            <p:cond delay="9"/>
                                           </p:stCondLst>
                                         </p:cTn>
                                         <p:tgtEl>
-                                          <p:spTgt spid="6"/>
+                                          <p:spTgt spid="7"/>
                                         </p:tgtEl>
                                         <p:attrNameLst>
                                           <p:attrName>style.visibility</p:attrName>
@@ -10063,11 +10377,11 @@
                                       <p:cBhvr>
                                         <p:cTn id="10" dur="1" fill="hold">
                                           <p:stCondLst>
-                                            <p:cond delay="999"/>
+                                            <p:cond delay="9"/>
                                           </p:stCondLst>
                                         </p:cTn>
                                         <p:tgtEl>
-                                          <p:spTgt spid="7"/>
+                                          <p:spTgt spid="8"/>
                                         </p:tgtEl>
                                         <p:attrNameLst>
                                           <p:attrName>style.visibility</p:attrName>
@@ -10108,11 +10422,11 @@
                                       <p:cBhvr>
                                         <p:cTn id="14" dur="1" fill="hold">
                                           <p:stCondLst>
-                                            <p:cond delay="999"/>
+                                            <p:cond delay="9"/>
                                           </p:stCondLst>
                                         </p:cTn>
                                         <p:tgtEl>
-                                          <p:spTgt spid="8"/>
+                                          <p:spTgt spid="6"/>
                                         </p:tgtEl>
                                         <p:attrNameLst>
                                           <p:attrName>style.visibility</p:attrName>
@@ -11363,7 +11677,7 @@
                                       <p:cBhvr>
                                         <p:cTn id="6" dur="1" fill="hold">
                                           <p:stCondLst>
-                                            <p:cond delay="999"/>
+                                            <p:cond delay="9"/>
                                           </p:stCondLst>
                                         </p:cTn>
                                         <p:tgtEl>
@@ -11408,7 +11722,7 @@
                                       <p:cBhvr>
                                         <p:cTn id="10" dur="1" fill="hold">
                                           <p:stCondLst>
-                                            <p:cond delay="999"/>
+                                            <p:cond delay="9"/>
                                           </p:stCondLst>
                                         </p:cTn>
                                         <p:tgtEl>
@@ -11500,7 +11814,7 @@
           <a:p>
             <a:r>
               <a:rPr lang="en-US" dirty="0"/>
-              <a:t>Packaging this up as a function</a:t>
+              <a:t>Package this up as a function</a:t>
             </a:r>
           </a:p>
         </p:txBody>
@@ -11926,8 +12240,8 @@
         </p:nvSpPr>
         <p:spPr>
           <a:xfrm>
-            <a:off x="8011789" y="277434"/>
-            <a:ext cx="1544904" cy="1053794"/>
+            <a:off x="8740072" y="579596"/>
+            <a:ext cx="2151808" cy="1053794"/>
           </a:xfrm>
           <a:prstGeom prst="rect">
             <a:avLst/>
@@ -11966,13 +12280,13 @@
           <a:p>
             <a:pPr algn="ctr"/>
             <a:r>
-              <a:rPr lang="en-US" sz="3600" b="1" dirty="0">
+              <a:rPr lang="en-US" sz="2400" b="1" dirty="0">
                 <a:solidFill>
                   <a:schemeClr val="tx1"/>
                 </a:solidFill>
                 <a:latin typeface="Ink Free" panose="03080402000500000000" pitchFamily="66" charset="0"/>
               </a:rPr>
-              <a:t>DRY!!</a:t>
+              <a:t>Applying the DRY Principle...</a:t>
             </a:r>
           </a:p>
         </p:txBody>
@@ -12065,7 +12379,7 @@
           <a:p>
             <a:r>
               <a:rPr lang="en-US" dirty="0"/>
-              <a:t>The node could return some of its fields, or hide others from the visitor.</a:t>
+              <a:t>Instead of returning itself, the node could return some of its fields, or hide others from the visitor.</a:t>
             </a:r>
           </a:p>
           <a:p>
@@ -12889,7 +13203,7 @@
           <a:p>
             <a:r>
               <a:rPr lang="en-US" dirty="0"/>
-              <a:t>Sometimes there are endless debates about whether a given piece of code is or is not an instance of a particular pattern.</a:t>
+              <a:t>You can get into endless debates about whether a given piece of code is or is not a correct instance of a particular pattern.</a:t>
             </a:r>
           </a:p>
           <a:p>
@@ -12899,17 +13213,19 @@
             </a:r>
           </a:p>
           <a:p>
-            <a:pPr lvl="1"/>
+            <a:r>
+              <a:rPr lang="en-US" dirty="0"/>
+              <a:t>These patterns are tools in your toolbox.  </a:t>
+            </a:r>
+          </a:p>
+          <a:p>
             <a:r>
               <a:rPr lang="en-US" dirty="0"/>
               <a:t>But keep your 5004/5010 notes close at hand.</a:t>
             </a:r>
           </a:p>
           <a:p>
-            <a:r>
-              <a:rPr lang="en-US" dirty="0"/>
-              <a:t>These patterns are tools in your toolbox.  </a:t>
-            </a:r>
+            <a:endParaRPr lang="en-US" dirty="0"/>
           </a:p>
         </p:txBody>
       </p:sp>
@@ -12996,7 +13312,7 @@
           <a:p>
             <a:r>
               <a:rPr lang="en-US" dirty="0"/>
-              <a:t>Problem: make sure there is only one instance of a particular class</a:t>
+              <a:t>Problem #1: make sure there is only one instance of a particular class</a:t>
             </a:r>
           </a:p>
         </p:txBody>
@@ -15140,8 +15456,8 @@
         </p:nvSpPr>
         <p:spPr>
           <a:xfrm>
-            <a:off x="838200" y="1607061"/>
-            <a:ext cx="9317636" cy="5355312"/>
+            <a:off x="838200" y="1466485"/>
+            <a:ext cx="9317636" cy="1477328"/>
           </a:xfrm>
           <a:prstGeom prst="rect">
             <a:avLst/>
@@ -15218,637 +15534,6 @@
                 <a:latin typeface="Consolas" panose="020B0609020204030204" pitchFamily="49" charset="0"/>
               </a:rPr>
             </a:br>
-            <a:r>
-              <a:rPr lang="en-US" dirty="0">
-                <a:solidFill>
-                  <a:srgbClr val="0000FF"/>
-                </a:solidFill>
-                <a:latin typeface="Consolas" panose="020B0609020204030204" pitchFamily="49" charset="0"/>
-              </a:rPr>
-              <a:t>export</a:t>
-            </a:r>
-            <a:r>
-              <a:rPr lang="en-US" dirty="0">
-                <a:solidFill>
-                  <a:srgbClr val="000000"/>
-                </a:solidFill>
-                <a:latin typeface="Consolas" panose="020B0609020204030204" pitchFamily="49" charset="0"/>
-              </a:rPr>
-              <a:t> </a:t>
-            </a:r>
-            <a:r>
-              <a:rPr lang="en-US" dirty="0">
-                <a:solidFill>
-                  <a:srgbClr val="0000FF"/>
-                </a:solidFill>
-                <a:latin typeface="Consolas" panose="020B0609020204030204" pitchFamily="49" charset="0"/>
-              </a:rPr>
-              <a:t>default</a:t>
-            </a:r>
-            <a:r>
-              <a:rPr lang="en-US" dirty="0">
-                <a:solidFill>
-                  <a:srgbClr val="000000"/>
-                </a:solidFill>
-                <a:latin typeface="Consolas" panose="020B0609020204030204" pitchFamily="49" charset="0"/>
-              </a:rPr>
-              <a:t> </a:t>
-            </a:r>
-            <a:r>
-              <a:rPr lang="en-US" dirty="0">
-                <a:solidFill>
-                  <a:srgbClr val="0000FF"/>
-                </a:solidFill>
-                <a:latin typeface="Consolas" panose="020B0609020204030204" pitchFamily="49" charset="0"/>
-              </a:rPr>
-              <a:t>class</a:t>
-            </a:r>
-            <a:r>
-              <a:rPr lang="en-US" dirty="0">
-                <a:solidFill>
-                  <a:srgbClr val="000000"/>
-                </a:solidFill>
-                <a:latin typeface="Consolas" panose="020B0609020204030204" pitchFamily="49" charset="0"/>
-              </a:rPr>
-              <a:t> </a:t>
-            </a:r>
-            <a:r>
-              <a:rPr lang="en-US" dirty="0" err="1">
-                <a:solidFill>
-                  <a:srgbClr val="000000"/>
-                </a:solidFill>
-                <a:latin typeface="Consolas" panose="020B0609020204030204" pitchFamily="49" charset="0"/>
-              </a:rPr>
-              <a:t>SingletonClockFactory</a:t>
-            </a:r>
-            <a:endParaRPr lang="en-US" dirty="0">
-              <a:solidFill>
-                <a:srgbClr val="000000"/>
-              </a:solidFill>
-              <a:latin typeface="Consolas" panose="020B0609020204030204" pitchFamily="49" charset="0"/>
-            </a:endParaRPr>
-          </a:p>
-          <a:p>
-            <a:r>
-              <a:rPr lang="en-US" dirty="0">
-                <a:solidFill>
-                  <a:srgbClr val="000000"/>
-                </a:solidFill>
-                <a:latin typeface="Consolas" panose="020B0609020204030204" pitchFamily="49" charset="0"/>
-              </a:rPr>
-              <a:t>    </a:t>
-            </a:r>
-            <a:r>
-              <a:rPr lang="en-US" dirty="0">
-                <a:solidFill>
-                  <a:srgbClr val="0000FF"/>
-                </a:solidFill>
-                <a:latin typeface="Consolas" panose="020B0609020204030204" pitchFamily="49" charset="0"/>
-              </a:rPr>
-              <a:t>extends</a:t>
-            </a:r>
-            <a:r>
-              <a:rPr lang="en-US" dirty="0">
-                <a:solidFill>
-                  <a:srgbClr val="000000"/>
-                </a:solidFill>
-                <a:latin typeface="Consolas" panose="020B0609020204030204" pitchFamily="49" charset="0"/>
-              </a:rPr>
-              <a:t> Clock </a:t>
-            </a:r>
-            <a:r>
-              <a:rPr lang="en-US" dirty="0">
-                <a:solidFill>
-                  <a:srgbClr val="0000FF"/>
-                </a:solidFill>
-                <a:latin typeface="Consolas" panose="020B0609020204030204" pitchFamily="49" charset="0"/>
-              </a:rPr>
-              <a:t>implements</a:t>
-            </a:r>
-            <a:r>
-              <a:rPr lang="en-US" dirty="0">
-                <a:solidFill>
-                  <a:srgbClr val="000000"/>
-                </a:solidFill>
-                <a:latin typeface="Consolas" panose="020B0609020204030204" pitchFamily="49" charset="0"/>
-              </a:rPr>
-              <a:t> </a:t>
-            </a:r>
-            <a:r>
-              <a:rPr lang="en-US" dirty="0" err="1">
-                <a:solidFill>
-                  <a:srgbClr val="000000"/>
-                </a:solidFill>
-                <a:latin typeface="Consolas" panose="020B0609020204030204" pitchFamily="49" charset="0"/>
-              </a:rPr>
-              <a:t>IClock</a:t>
-            </a:r>
-            <a:r>
-              <a:rPr lang="en-US" dirty="0">
-                <a:solidFill>
-                  <a:srgbClr val="000000"/>
-                </a:solidFill>
-                <a:latin typeface="Consolas" panose="020B0609020204030204" pitchFamily="49" charset="0"/>
-              </a:rPr>
-              <a:t> {</a:t>
-            </a:r>
-          </a:p>
-          <a:p>
-            <a:r>
-              <a:rPr lang="en-US" dirty="0">
-                <a:solidFill>
-                  <a:srgbClr val="000000"/>
-                </a:solidFill>
-                <a:latin typeface="Consolas" panose="020B0609020204030204" pitchFamily="49" charset="0"/>
-              </a:rPr>
-              <a:t>    </a:t>
-            </a:r>
-          </a:p>
-          <a:p>
-            <a:r>
-              <a:rPr lang="en-US" dirty="0">
-                <a:solidFill>
-                  <a:srgbClr val="0000FF"/>
-                </a:solidFill>
-                <a:latin typeface="Consolas" panose="020B0609020204030204" pitchFamily="49" charset="0"/>
-              </a:rPr>
-              <a:t>    private</a:t>
-            </a:r>
-            <a:r>
-              <a:rPr lang="en-US" dirty="0">
-                <a:solidFill>
-                  <a:srgbClr val="000000"/>
-                </a:solidFill>
-                <a:latin typeface="Consolas" panose="020B0609020204030204" pitchFamily="49" charset="0"/>
-              </a:rPr>
-              <a:t> </a:t>
-            </a:r>
-            <a:r>
-              <a:rPr lang="en-US" dirty="0">
-                <a:solidFill>
-                  <a:srgbClr val="0000FF"/>
-                </a:solidFill>
-                <a:latin typeface="Consolas" panose="020B0609020204030204" pitchFamily="49" charset="0"/>
-              </a:rPr>
-              <a:t>constructor</a:t>
-            </a:r>
-            <a:r>
-              <a:rPr lang="en-US" dirty="0">
-                <a:solidFill>
-                  <a:srgbClr val="000000"/>
-                </a:solidFill>
-                <a:latin typeface="Consolas" panose="020B0609020204030204" pitchFamily="49" charset="0"/>
-              </a:rPr>
-              <a:t>() { </a:t>
-            </a:r>
-            <a:r>
-              <a:rPr lang="en-US" dirty="0">
-                <a:solidFill>
-                  <a:srgbClr val="0000FF"/>
-                </a:solidFill>
-                <a:latin typeface="Consolas" panose="020B0609020204030204" pitchFamily="49" charset="0"/>
-              </a:rPr>
-              <a:t>super</a:t>
-            </a:r>
-            <a:r>
-              <a:rPr lang="en-US" dirty="0">
-                <a:solidFill>
-                  <a:srgbClr val="000000"/>
-                </a:solidFill>
-                <a:latin typeface="Consolas" panose="020B0609020204030204" pitchFamily="49" charset="0"/>
-              </a:rPr>
-              <a:t>() }</a:t>
-            </a:r>
-          </a:p>
-          <a:p>
-            <a:br>
-              <a:rPr lang="en-US" dirty="0">
-                <a:solidFill>
-                  <a:srgbClr val="000000"/>
-                </a:solidFill>
-                <a:latin typeface="Consolas" panose="020B0609020204030204" pitchFamily="49" charset="0"/>
-              </a:rPr>
-            </a:br>
-            <a:r>
-              <a:rPr lang="en-US" dirty="0">
-                <a:solidFill>
-                  <a:srgbClr val="000000"/>
-                </a:solidFill>
-                <a:latin typeface="Consolas" panose="020B0609020204030204" pitchFamily="49" charset="0"/>
-              </a:rPr>
-              <a:t>    </a:t>
-            </a:r>
-            <a:r>
-              <a:rPr lang="en-US" dirty="0">
-                <a:solidFill>
-                  <a:srgbClr val="0000FF"/>
-                </a:solidFill>
-                <a:latin typeface="Consolas" panose="020B0609020204030204" pitchFamily="49" charset="0"/>
-              </a:rPr>
-              <a:t>private</a:t>
-            </a:r>
-            <a:r>
-              <a:rPr lang="en-US" dirty="0">
-                <a:solidFill>
-                  <a:srgbClr val="000000"/>
-                </a:solidFill>
-                <a:latin typeface="Consolas" panose="020B0609020204030204" pitchFamily="49" charset="0"/>
-              </a:rPr>
-              <a:t> </a:t>
-            </a:r>
-            <a:r>
-              <a:rPr lang="en-US" dirty="0">
-                <a:solidFill>
-                  <a:srgbClr val="0000FF"/>
-                </a:solidFill>
-                <a:latin typeface="Consolas" panose="020B0609020204030204" pitchFamily="49" charset="0"/>
-              </a:rPr>
-              <a:t>static</a:t>
-            </a:r>
-            <a:r>
-              <a:rPr lang="en-US" dirty="0">
-                <a:solidFill>
-                  <a:srgbClr val="000000"/>
-                </a:solidFill>
-                <a:latin typeface="Consolas" panose="020B0609020204030204" pitchFamily="49" charset="0"/>
-              </a:rPr>
-              <a:t> _</a:t>
-            </a:r>
-            <a:r>
-              <a:rPr lang="en-US" dirty="0" err="1">
-                <a:solidFill>
-                  <a:srgbClr val="000000"/>
-                </a:solidFill>
-                <a:latin typeface="Consolas" panose="020B0609020204030204" pitchFamily="49" charset="0"/>
-              </a:rPr>
-              <a:t>theClock</a:t>
-            </a:r>
-            <a:r>
-              <a:rPr lang="en-US" dirty="0">
-                <a:solidFill>
-                  <a:srgbClr val="000000"/>
-                </a:solidFill>
-                <a:latin typeface="Consolas" panose="020B0609020204030204" pitchFamily="49" charset="0"/>
-              </a:rPr>
-              <a:t>: </a:t>
-            </a:r>
-            <a:r>
-              <a:rPr lang="en-US" dirty="0" err="1">
-                <a:solidFill>
-                  <a:srgbClr val="000000"/>
-                </a:solidFill>
-                <a:latin typeface="Consolas" panose="020B0609020204030204" pitchFamily="49" charset="0"/>
-              </a:rPr>
-              <a:t>IClock</a:t>
-            </a:r>
-            <a:endParaRPr lang="en-US" dirty="0">
-              <a:solidFill>
-                <a:srgbClr val="000000"/>
-              </a:solidFill>
-              <a:latin typeface="Consolas" panose="020B0609020204030204" pitchFamily="49" charset="0"/>
-            </a:endParaRPr>
-          </a:p>
-          <a:p>
-            <a:br>
-              <a:rPr lang="en-US" dirty="0">
-                <a:solidFill>
-                  <a:srgbClr val="000000"/>
-                </a:solidFill>
-                <a:latin typeface="Consolas" panose="020B0609020204030204" pitchFamily="49" charset="0"/>
-              </a:rPr>
-            </a:br>
-            <a:r>
-              <a:rPr lang="en-US" dirty="0">
-                <a:solidFill>
-                  <a:srgbClr val="000000"/>
-                </a:solidFill>
-                <a:latin typeface="Consolas" panose="020B0609020204030204" pitchFamily="49" charset="0"/>
-              </a:rPr>
-              <a:t>    </a:t>
-            </a:r>
-            <a:r>
-              <a:rPr lang="en-US" dirty="0">
-                <a:solidFill>
-                  <a:srgbClr val="008000"/>
-                </a:solidFill>
-                <a:latin typeface="Consolas" panose="020B0609020204030204" pitchFamily="49" charset="0"/>
-              </a:rPr>
-              <a:t>// first-time-through hack</a:t>
-            </a:r>
-            <a:endParaRPr lang="en-US" dirty="0">
-              <a:solidFill>
-                <a:srgbClr val="000000"/>
-              </a:solidFill>
-              <a:latin typeface="Consolas" panose="020B0609020204030204" pitchFamily="49" charset="0"/>
-            </a:endParaRPr>
-          </a:p>
-          <a:p>
-            <a:r>
-              <a:rPr lang="en-US" dirty="0">
-                <a:solidFill>
-                  <a:srgbClr val="000000"/>
-                </a:solidFill>
-                <a:latin typeface="Consolas" panose="020B0609020204030204" pitchFamily="49" charset="0"/>
-              </a:rPr>
-              <a:t>    </a:t>
-            </a:r>
-            <a:r>
-              <a:rPr lang="en-US" dirty="0">
-                <a:solidFill>
-                  <a:srgbClr val="0000FF"/>
-                </a:solidFill>
-                <a:latin typeface="Consolas" panose="020B0609020204030204" pitchFamily="49" charset="0"/>
-              </a:rPr>
-              <a:t>public</a:t>
-            </a:r>
-            <a:r>
-              <a:rPr lang="en-US" dirty="0">
-                <a:solidFill>
-                  <a:srgbClr val="000000"/>
-                </a:solidFill>
-                <a:latin typeface="Consolas" panose="020B0609020204030204" pitchFamily="49" charset="0"/>
-              </a:rPr>
-              <a:t> </a:t>
-            </a:r>
-            <a:r>
-              <a:rPr lang="en-US" dirty="0">
-                <a:solidFill>
-                  <a:srgbClr val="0000FF"/>
-                </a:solidFill>
-                <a:latin typeface="Consolas" panose="020B0609020204030204" pitchFamily="49" charset="0"/>
-              </a:rPr>
-              <a:t>static</a:t>
-            </a:r>
-            <a:r>
-              <a:rPr lang="en-US" dirty="0">
-                <a:solidFill>
-                  <a:srgbClr val="000000"/>
-                </a:solidFill>
-                <a:latin typeface="Consolas" panose="020B0609020204030204" pitchFamily="49" charset="0"/>
-              </a:rPr>
-              <a:t> </a:t>
-            </a:r>
-            <a:r>
-              <a:rPr lang="en-US" dirty="0" err="1">
-                <a:solidFill>
-                  <a:srgbClr val="000000"/>
-                </a:solidFill>
-                <a:latin typeface="Consolas" panose="020B0609020204030204" pitchFamily="49" charset="0"/>
-              </a:rPr>
-              <a:t>getClock</a:t>
-            </a:r>
-            <a:r>
-              <a:rPr lang="en-US" dirty="0">
-                <a:solidFill>
-                  <a:srgbClr val="000000"/>
-                </a:solidFill>
-                <a:latin typeface="Consolas" panose="020B0609020204030204" pitchFamily="49" charset="0"/>
-              </a:rPr>
-              <a:t>() {</a:t>
-            </a:r>
-          </a:p>
-          <a:p>
-            <a:r>
-              <a:rPr lang="en-US" dirty="0">
-                <a:solidFill>
-                  <a:srgbClr val="000000"/>
-                </a:solidFill>
-                <a:latin typeface="Consolas" panose="020B0609020204030204" pitchFamily="49" charset="0"/>
-              </a:rPr>
-              <a:t>        </a:t>
-            </a:r>
-            <a:r>
-              <a:rPr lang="en-US" dirty="0">
-                <a:solidFill>
-                  <a:srgbClr val="0000FF"/>
-                </a:solidFill>
-                <a:latin typeface="Consolas" panose="020B0609020204030204" pitchFamily="49" charset="0"/>
-              </a:rPr>
-              <a:t>if</a:t>
-            </a:r>
-            <a:r>
-              <a:rPr lang="en-US" dirty="0">
-                <a:solidFill>
-                  <a:srgbClr val="000000"/>
-                </a:solidFill>
-                <a:latin typeface="Consolas" panose="020B0609020204030204" pitchFamily="49" charset="0"/>
-              </a:rPr>
-              <a:t> (</a:t>
-            </a:r>
-            <a:r>
-              <a:rPr lang="en-US" dirty="0" err="1">
-                <a:solidFill>
-                  <a:srgbClr val="000000"/>
-                </a:solidFill>
-                <a:latin typeface="Consolas" panose="020B0609020204030204" pitchFamily="49" charset="0"/>
-              </a:rPr>
-              <a:t>SingletonClockFactory</a:t>
-            </a:r>
-            <a:r>
-              <a:rPr lang="en-US" dirty="0">
-                <a:solidFill>
-                  <a:srgbClr val="000000"/>
-                </a:solidFill>
-                <a:latin typeface="Consolas" panose="020B0609020204030204" pitchFamily="49" charset="0"/>
-              </a:rPr>
-              <a:t>._</a:t>
-            </a:r>
-            <a:r>
-              <a:rPr lang="en-US" dirty="0" err="1">
-                <a:solidFill>
-                  <a:srgbClr val="000000"/>
-                </a:solidFill>
-                <a:latin typeface="Consolas" panose="020B0609020204030204" pitchFamily="49" charset="0"/>
-              </a:rPr>
-              <a:t>theClock</a:t>
-            </a:r>
-            <a:r>
-              <a:rPr lang="en-US" dirty="0">
-                <a:solidFill>
-                  <a:srgbClr val="000000"/>
-                </a:solidFill>
-                <a:latin typeface="Consolas" panose="020B0609020204030204" pitchFamily="49" charset="0"/>
-              </a:rPr>
-              <a:t> === </a:t>
-            </a:r>
-            <a:r>
-              <a:rPr lang="en-US" dirty="0">
-                <a:solidFill>
-                  <a:srgbClr val="0000FF"/>
-                </a:solidFill>
-                <a:latin typeface="Consolas" panose="020B0609020204030204" pitchFamily="49" charset="0"/>
-              </a:rPr>
-              <a:t>undefined</a:t>
-            </a:r>
-            <a:r>
-              <a:rPr lang="en-US" dirty="0">
-                <a:solidFill>
-                  <a:srgbClr val="000000"/>
-                </a:solidFill>
-                <a:latin typeface="Consolas" panose="020B0609020204030204" pitchFamily="49" charset="0"/>
-              </a:rPr>
-              <a:t>) {</a:t>
-            </a:r>
-          </a:p>
-          <a:p>
-            <a:r>
-              <a:rPr lang="en-US" dirty="0">
-                <a:solidFill>
-                  <a:srgbClr val="000000"/>
-                </a:solidFill>
-                <a:latin typeface="Consolas" panose="020B0609020204030204" pitchFamily="49" charset="0"/>
-              </a:rPr>
-              <a:t>            </a:t>
-            </a:r>
-            <a:r>
-              <a:rPr lang="en-US" dirty="0" err="1">
-                <a:solidFill>
-                  <a:srgbClr val="000000"/>
-                </a:solidFill>
-                <a:latin typeface="Consolas" panose="020B0609020204030204" pitchFamily="49" charset="0"/>
-              </a:rPr>
-              <a:t>SingletonClockFactory</a:t>
-            </a:r>
-            <a:r>
-              <a:rPr lang="en-US" dirty="0">
-                <a:solidFill>
-                  <a:srgbClr val="000000"/>
-                </a:solidFill>
-                <a:latin typeface="Consolas" panose="020B0609020204030204" pitchFamily="49" charset="0"/>
-              </a:rPr>
-              <a:t>._</a:t>
-            </a:r>
-            <a:r>
-              <a:rPr lang="en-US" dirty="0" err="1">
-                <a:solidFill>
-                  <a:srgbClr val="000000"/>
-                </a:solidFill>
-                <a:latin typeface="Consolas" panose="020B0609020204030204" pitchFamily="49" charset="0"/>
-              </a:rPr>
-              <a:t>theClock</a:t>
-            </a:r>
-            <a:r>
-              <a:rPr lang="en-US" dirty="0">
-                <a:solidFill>
-                  <a:srgbClr val="000000"/>
-                </a:solidFill>
-                <a:latin typeface="Consolas" panose="020B0609020204030204" pitchFamily="49" charset="0"/>
-              </a:rPr>
-              <a:t> = </a:t>
-            </a:r>
-            <a:r>
-              <a:rPr lang="en-US" dirty="0">
-                <a:solidFill>
-                  <a:srgbClr val="0000FF"/>
-                </a:solidFill>
-                <a:latin typeface="Consolas" panose="020B0609020204030204" pitchFamily="49" charset="0"/>
-              </a:rPr>
-              <a:t>new</a:t>
-            </a:r>
-            <a:r>
-              <a:rPr lang="en-US" dirty="0">
-                <a:solidFill>
-                  <a:srgbClr val="000000"/>
-                </a:solidFill>
-                <a:latin typeface="Consolas" panose="020B0609020204030204" pitchFamily="49" charset="0"/>
-              </a:rPr>
-              <a:t> Clock()</a:t>
-            </a:r>
-          </a:p>
-          <a:p>
-            <a:r>
-              <a:rPr lang="en-US" dirty="0">
-                <a:solidFill>
-                  <a:srgbClr val="000000"/>
-                </a:solidFill>
-                <a:latin typeface="Consolas" panose="020B0609020204030204" pitchFamily="49" charset="0"/>
-              </a:rPr>
-              <a:t>        }</a:t>
-            </a:r>
-          </a:p>
-          <a:p>
-            <a:r>
-              <a:rPr lang="en-US" dirty="0">
-                <a:solidFill>
-                  <a:srgbClr val="000000"/>
-                </a:solidFill>
-                <a:latin typeface="Consolas" panose="020B0609020204030204" pitchFamily="49" charset="0"/>
-              </a:rPr>
-              <a:t>        </a:t>
-            </a:r>
-            <a:r>
-              <a:rPr lang="en-US" dirty="0">
-                <a:solidFill>
-                  <a:srgbClr val="0000FF"/>
-                </a:solidFill>
-                <a:latin typeface="Consolas" panose="020B0609020204030204" pitchFamily="49" charset="0"/>
-              </a:rPr>
-              <a:t>return</a:t>
-            </a:r>
-            <a:r>
-              <a:rPr lang="en-US" dirty="0">
-                <a:solidFill>
-                  <a:srgbClr val="000000"/>
-                </a:solidFill>
-                <a:latin typeface="Consolas" panose="020B0609020204030204" pitchFamily="49" charset="0"/>
-              </a:rPr>
-              <a:t> </a:t>
-            </a:r>
-            <a:r>
-              <a:rPr lang="en-US" dirty="0" err="1">
-                <a:solidFill>
-                  <a:srgbClr val="000000"/>
-                </a:solidFill>
-                <a:latin typeface="Consolas" panose="020B0609020204030204" pitchFamily="49" charset="0"/>
-              </a:rPr>
-              <a:t>SingletonClockFactory</a:t>
-            </a:r>
-            <a:r>
-              <a:rPr lang="en-US" dirty="0">
-                <a:solidFill>
-                  <a:srgbClr val="000000"/>
-                </a:solidFill>
-                <a:latin typeface="Consolas" panose="020B0609020204030204" pitchFamily="49" charset="0"/>
-              </a:rPr>
-              <a:t>._</a:t>
-            </a:r>
-            <a:r>
-              <a:rPr lang="en-US" dirty="0" err="1">
-                <a:solidFill>
-                  <a:srgbClr val="000000"/>
-                </a:solidFill>
-                <a:latin typeface="Consolas" panose="020B0609020204030204" pitchFamily="49" charset="0"/>
-              </a:rPr>
-              <a:t>theClock</a:t>
-            </a:r>
-            <a:endParaRPr lang="en-US" dirty="0">
-              <a:solidFill>
-                <a:srgbClr val="000000"/>
-              </a:solidFill>
-              <a:latin typeface="Consolas" panose="020B0609020204030204" pitchFamily="49" charset="0"/>
-            </a:endParaRPr>
-          </a:p>
-          <a:p>
-            <a:r>
-              <a:rPr lang="en-US" dirty="0">
-                <a:solidFill>
-                  <a:srgbClr val="000000"/>
-                </a:solidFill>
-                <a:latin typeface="Consolas" panose="020B0609020204030204" pitchFamily="49" charset="0"/>
-              </a:rPr>
-              <a:t>    }</a:t>
-            </a:r>
-          </a:p>
-          <a:p>
-            <a:r>
-              <a:rPr lang="en-US" dirty="0">
-                <a:solidFill>
-                  <a:srgbClr val="000000"/>
-                </a:solidFill>
-                <a:latin typeface="Consolas" panose="020B0609020204030204" pitchFamily="49" charset="0"/>
-              </a:rPr>
-              <a:t>}</a:t>
-            </a:r>
             <a:endParaRPr lang="en-US" b="0" dirty="0">
               <a:solidFill>
                 <a:srgbClr val="000000"/>
@@ -15873,8 +15558,8 @@
         </p:nvSpPr>
         <p:spPr>
           <a:xfrm>
-            <a:off x="7120329" y="3001760"/>
-            <a:ext cx="3035507" cy="979946"/>
+            <a:off x="7525063" y="2704138"/>
+            <a:ext cx="3035507" cy="1241849"/>
           </a:xfrm>
           <a:prstGeom prst="rect">
             <a:avLst/>
@@ -15918,17 +15603,17 @@
                 </a:solidFill>
                 <a:latin typeface="Ink Free" panose="03080402000500000000" pitchFamily="66" charset="0"/>
               </a:rPr>
-              <a:t>Make the constructor private so that no one can instantiate it with 'new'.</a:t>
+              <a:t>Make the factory's constructor private, so that no one can create another one </a:t>
             </a:r>
           </a:p>
         </p:txBody>
       </p:sp>
       <p:sp>
         <p:nvSpPr>
-          <p:cNvPr id="7" name="Rectangle 6">
+          <p:cNvPr id="8" name="Rectangle 7">
             <a:extLst>
               <a:ext uri="{FF2B5EF4-FFF2-40B4-BE49-F238E27FC236}">
-                <a16:creationId xmlns:a16="http://schemas.microsoft.com/office/drawing/2014/main" id="{8181E991-003C-4D6D-9C7F-F77062EFD6B4}"/>
+                <a16:creationId xmlns:a16="http://schemas.microsoft.com/office/drawing/2014/main" id="{EEE2EEF6-365E-46A5-91A2-AAC8DB561E94}"/>
               </a:ext>
             </a:extLst>
           </p:cNvPr>
@@ -15937,8 +15622,8 @@
         </p:nvSpPr>
         <p:spPr>
           <a:xfrm>
-            <a:off x="8718052" y="5048812"/>
-            <a:ext cx="3035507" cy="979946"/>
+            <a:off x="7599401" y="1117088"/>
+            <a:ext cx="3365904" cy="1293836"/>
           </a:xfrm>
           <a:prstGeom prst="rect">
             <a:avLst/>
@@ -15982,17 +15667,35 @@
                 </a:solidFill>
                 <a:latin typeface="Ink Free" panose="03080402000500000000" pitchFamily="66" charset="0"/>
               </a:rPr>
-              <a:t>The details of this first-time-through hack are highly language-dependent.</a:t>
+              <a:t>Like the </a:t>
+            </a:r>
+            <a:r>
+              <a:rPr lang="en-US" b="1" dirty="0" err="1">
+                <a:solidFill>
+                  <a:schemeClr val="tx1"/>
+                </a:solidFill>
+                <a:latin typeface="Ink Free" panose="03080402000500000000" pitchFamily="66" charset="0"/>
+              </a:rPr>
+              <a:t>ClockFactory</a:t>
+            </a:r>
+            <a:r>
+              <a:rPr lang="en-US" b="1" dirty="0">
+                <a:solidFill>
+                  <a:schemeClr val="tx1"/>
+                </a:solidFill>
+                <a:latin typeface="Ink Free" panose="03080402000500000000" pitchFamily="66" charset="0"/>
+              </a:rPr>
+              <a:t>, but this one cheats and only makes a clock once.  Then it returns that same clock every time.</a:t>
             </a:r>
           </a:p>
         </p:txBody>
       </p:sp>
       <p:sp>
         <p:nvSpPr>
-          <p:cNvPr id="8" name="Rectangle 7">
+          <p:cNvPr id="3" name="Rectangle 2">
             <a:extLst>
               <a:ext uri="{FF2B5EF4-FFF2-40B4-BE49-F238E27FC236}">
-                <a16:creationId xmlns:a16="http://schemas.microsoft.com/office/drawing/2014/main" id="{EEE2EEF6-365E-46A5-91A2-AAC8DB561E94}"/>
+                <a16:creationId xmlns:a16="http://schemas.microsoft.com/office/drawing/2014/main" id="{A6899E10-04BD-4FA3-A6E4-355E1DC1A730}"/>
               </a:ext>
             </a:extLst>
           </p:cNvPr>
@@ -16001,8 +15704,747 @@
         </p:nvSpPr>
         <p:spPr>
           <a:xfrm>
-            <a:off x="7599401" y="1117088"/>
-            <a:ext cx="3365904" cy="979946"/>
+            <a:off x="838200" y="2387924"/>
+            <a:ext cx="8966982" cy="4524315"/>
+          </a:xfrm>
+          <a:prstGeom prst="rect">
+            <a:avLst/>
+          </a:prstGeom>
+        </p:spPr>
+        <p:txBody>
+          <a:bodyPr wrap="square">
+            <a:spAutoFit/>
+          </a:bodyPr>
+          <a:lstStyle/>
+          <a:p>
+            <a:r>
+              <a:rPr lang="en-US" dirty="0">
+                <a:solidFill>
+                  <a:srgbClr val="0000FF"/>
+                </a:solidFill>
+                <a:latin typeface="Consolas" panose="020B0609020204030204" pitchFamily="49" charset="0"/>
+              </a:rPr>
+              <a:t>export</a:t>
+            </a:r>
+            <a:r>
+              <a:rPr lang="en-US" dirty="0">
+                <a:solidFill>
+                  <a:srgbClr val="000000"/>
+                </a:solidFill>
+                <a:latin typeface="Consolas" panose="020B0609020204030204" pitchFamily="49" charset="0"/>
+              </a:rPr>
+              <a:t> </a:t>
+            </a:r>
+            <a:r>
+              <a:rPr lang="en-US" dirty="0">
+                <a:solidFill>
+                  <a:srgbClr val="0000FF"/>
+                </a:solidFill>
+                <a:latin typeface="Consolas" panose="020B0609020204030204" pitchFamily="49" charset="0"/>
+              </a:rPr>
+              <a:t>default</a:t>
+            </a:r>
+            <a:r>
+              <a:rPr lang="en-US" dirty="0">
+                <a:solidFill>
+                  <a:srgbClr val="000000"/>
+                </a:solidFill>
+                <a:latin typeface="Consolas" panose="020B0609020204030204" pitchFamily="49" charset="0"/>
+              </a:rPr>
+              <a:t> </a:t>
+            </a:r>
+            <a:r>
+              <a:rPr lang="en-US" dirty="0">
+                <a:solidFill>
+                  <a:srgbClr val="0000FF"/>
+                </a:solidFill>
+                <a:latin typeface="Consolas" panose="020B0609020204030204" pitchFamily="49" charset="0"/>
+              </a:rPr>
+              <a:t>class</a:t>
+            </a:r>
+            <a:r>
+              <a:rPr lang="en-US" dirty="0">
+                <a:solidFill>
+                  <a:srgbClr val="000000"/>
+                </a:solidFill>
+                <a:latin typeface="Consolas" panose="020B0609020204030204" pitchFamily="49" charset="0"/>
+              </a:rPr>
+              <a:t> </a:t>
+            </a:r>
+            <a:r>
+              <a:rPr lang="en-US" dirty="0" err="1">
+                <a:solidFill>
+                  <a:srgbClr val="000000"/>
+                </a:solidFill>
+                <a:latin typeface="Consolas" panose="020B0609020204030204" pitchFamily="49" charset="0"/>
+              </a:rPr>
+              <a:t>SingletonClockFactory</a:t>
+            </a:r>
+            <a:r>
+              <a:rPr lang="en-US" dirty="0">
+                <a:solidFill>
+                  <a:srgbClr val="0000FF"/>
+                </a:solidFill>
+                <a:latin typeface="Consolas" panose="020B0609020204030204" pitchFamily="49" charset="0"/>
+              </a:rPr>
+              <a:t> </a:t>
+            </a:r>
+            <a:r>
+              <a:rPr lang="en-US" dirty="0">
+                <a:solidFill>
+                  <a:srgbClr val="000000"/>
+                </a:solidFill>
+                <a:latin typeface="Consolas" panose="020B0609020204030204" pitchFamily="49" charset="0"/>
+              </a:rPr>
+              <a:t>{</a:t>
+            </a:r>
+          </a:p>
+          <a:p>
+            <a:r>
+              <a:rPr lang="en-US" dirty="0">
+                <a:solidFill>
+                  <a:srgbClr val="000000"/>
+                </a:solidFill>
+                <a:latin typeface="Consolas" panose="020B0609020204030204" pitchFamily="49" charset="0"/>
+              </a:rPr>
+              <a:t>    </a:t>
+            </a:r>
+            <a:r>
+              <a:rPr lang="en-US" dirty="0">
+                <a:solidFill>
+                  <a:srgbClr val="0000FF"/>
+                </a:solidFill>
+                <a:latin typeface="Consolas" panose="020B0609020204030204" pitchFamily="49" charset="0"/>
+              </a:rPr>
+              <a:t>private</a:t>
+            </a:r>
+            <a:r>
+              <a:rPr lang="en-US" dirty="0">
+                <a:solidFill>
+                  <a:srgbClr val="000000"/>
+                </a:solidFill>
+                <a:latin typeface="Consolas" panose="020B0609020204030204" pitchFamily="49" charset="0"/>
+              </a:rPr>
+              <a:t> </a:t>
+            </a:r>
+            <a:r>
+              <a:rPr lang="en-US" dirty="0">
+                <a:solidFill>
+                  <a:srgbClr val="0000FF"/>
+                </a:solidFill>
+                <a:latin typeface="Consolas" panose="020B0609020204030204" pitchFamily="49" charset="0"/>
+              </a:rPr>
+              <a:t>constructor</a:t>
+            </a:r>
+            <a:r>
+              <a:rPr lang="en-US" dirty="0">
+                <a:solidFill>
+                  <a:srgbClr val="000000"/>
+                </a:solidFill>
+                <a:latin typeface="Consolas" panose="020B0609020204030204" pitchFamily="49" charset="0"/>
+              </a:rPr>
+              <a:t>() {}</a:t>
+            </a:r>
+          </a:p>
+          <a:p>
+            <a:br>
+              <a:rPr lang="en-US" dirty="0">
+                <a:solidFill>
+                  <a:srgbClr val="000000"/>
+                </a:solidFill>
+                <a:latin typeface="Consolas" panose="020B0609020204030204" pitchFamily="49" charset="0"/>
+              </a:rPr>
+            </a:br>
+            <a:r>
+              <a:rPr lang="en-US" dirty="0">
+                <a:solidFill>
+                  <a:srgbClr val="000000"/>
+                </a:solidFill>
+                <a:latin typeface="Consolas" panose="020B0609020204030204" pitchFamily="49" charset="0"/>
+              </a:rPr>
+              <a:t>    </a:t>
+            </a:r>
+            <a:r>
+              <a:rPr lang="en-US" dirty="0">
+                <a:solidFill>
+                  <a:srgbClr val="0000FF"/>
+                </a:solidFill>
+                <a:latin typeface="Consolas" panose="020B0609020204030204" pitchFamily="49" charset="0"/>
+              </a:rPr>
+              <a:t>private</a:t>
+            </a:r>
+            <a:r>
+              <a:rPr lang="en-US" dirty="0">
+                <a:solidFill>
+                  <a:srgbClr val="000000"/>
+                </a:solidFill>
+                <a:latin typeface="Consolas" panose="020B0609020204030204" pitchFamily="49" charset="0"/>
+              </a:rPr>
+              <a:t> </a:t>
+            </a:r>
+            <a:r>
+              <a:rPr lang="en-US" dirty="0">
+                <a:solidFill>
+                  <a:srgbClr val="0000FF"/>
+                </a:solidFill>
+                <a:latin typeface="Consolas" panose="020B0609020204030204" pitchFamily="49" charset="0"/>
+              </a:rPr>
+              <a:t>static</a:t>
+            </a:r>
+            <a:r>
+              <a:rPr lang="en-US" dirty="0">
+                <a:solidFill>
+                  <a:srgbClr val="000000"/>
+                </a:solidFill>
+                <a:latin typeface="Consolas" panose="020B0609020204030204" pitchFamily="49" charset="0"/>
+              </a:rPr>
+              <a:t> _</a:t>
+            </a:r>
+            <a:r>
+              <a:rPr lang="en-US" dirty="0" err="1">
+                <a:solidFill>
+                  <a:srgbClr val="000000"/>
+                </a:solidFill>
+                <a:latin typeface="Consolas" panose="020B0609020204030204" pitchFamily="49" charset="0"/>
+              </a:rPr>
+              <a:t>theClock</a:t>
+            </a:r>
+            <a:r>
+              <a:rPr lang="en-US" dirty="0">
+                <a:solidFill>
+                  <a:srgbClr val="000000"/>
+                </a:solidFill>
+                <a:latin typeface="Consolas" panose="020B0609020204030204" pitchFamily="49" charset="0"/>
+              </a:rPr>
+              <a:t>: </a:t>
+            </a:r>
+            <a:r>
+              <a:rPr lang="en-US" dirty="0" err="1">
+                <a:solidFill>
+                  <a:srgbClr val="000000"/>
+                </a:solidFill>
+                <a:latin typeface="Consolas" panose="020B0609020204030204" pitchFamily="49" charset="0"/>
+              </a:rPr>
+              <a:t>Iclock</a:t>
+            </a:r>
+            <a:endParaRPr lang="en-US" dirty="0">
+              <a:solidFill>
+                <a:srgbClr val="000000"/>
+              </a:solidFill>
+              <a:latin typeface="Consolas" panose="020B0609020204030204" pitchFamily="49" charset="0"/>
+            </a:endParaRPr>
+          </a:p>
+          <a:p>
+            <a:endParaRPr lang="en-US" dirty="0">
+              <a:solidFill>
+                <a:srgbClr val="000000"/>
+              </a:solidFill>
+              <a:latin typeface="Consolas" panose="020B0609020204030204" pitchFamily="49" charset="0"/>
+            </a:endParaRPr>
+          </a:p>
+          <a:p>
+            <a:r>
+              <a:rPr lang="en-US" dirty="0">
+                <a:solidFill>
+                  <a:srgbClr val="008000"/>
+                </a:solidFill>
+                <a:latin typeface="Consolas" panose="020B0609020204030204" pitchFamily="49" charset="0"/>
+              </a:rPr>
+              <a:t>    // have we initialized the clock?</a:t>
+            </a:r>
+            <a:endParaRPr lang="en-US" dirty="0">
+              <a:solidFill>
+                <a:srgbClr val="000000"/>
+              </a:solidFill>
+              <a:latin typeface="Consolas" panose="020B0609020204030204" pitchFamily="49" charset="0"/>
+            </a:endParaRPr>
+          </a:p>
+          <a:p>
+            <a:r>
+              <a:rPr lang="en-US" dirty="0">
+                <a:solidFill>
+                  <a:srgbClr val="000000"/>
+                </a:solidFill>
+                <a:latin typeface="Consolas" panose="020B0609020204030204" pitchFamily="49" charset="0"/>
+              </a:rPr>
+              <a:t>    </a:t>
+            </a:r>
+            <a:r>
+              <a:rPr lang="en-US" dirty="0">
+                <a:solidFill>
+                  <a:srgbClr val="0000FF"/>
+                </a:solidFill>
+                <a:latin typeface="Consolas" panose="020B0609020204030204" pitchFamily="49" charset="0"/>
+              </a:rPr>
+              <a:t>private</a:t>
+            </a:r>
+            <a:r>
+              <a:rPr lang="en-US" dirty="0">
+                <a:solidFill>
+                  <a:srgbClr val="000000"/>
+                </a:solidFill>
+                <a:latin typeface="Consolas" panose="020B0609020204030204" pitchFamily="49" charset="0"/>
+              </a:rPr>
+              <a:t> </a:t>
+            </a:r>
+            <a:r>
+              <a:rPr lang="en-US" dirty="0">
+                <a:solidFill>
+                  <a:srgbClr val="0000FF"/>
+                </a:solidFill>
+                <a:latin typeface="Consolas" panose="020B0609020204030204" pitchFamily="49" charset="0"/>
+              </a:rPr>
+              <a:t>static</a:t>
+            </a:r>
+            <a:r>
+              <a:rPr lang="en-US" dirty="0">
+                <a:solidFill>
+                  <a:srgbClr val="000000"/>
+                </a:solidFill>
+                <a:latin typeface="Consolas" panose="020B0609020204030204" pitchFamily="49" charset="0"/>
+              </a:rPr>
+              <a:t> _</a:t>
+            </a:r>
+            <a:r>
+              <a:rPr lang="en-US" dirty="0" err="1">
+                <a:solidFill>
+                  <a:srgbClr val="000000"/>
+                </a:solidFill>
+                <a:latin typeface="Consolas" panose="020B0609020204030204" pitchFamily="49" charset="0"/>
+              </a:rPr>
+              <a:t>isInitialized</a:t>
+            </a:r>
+            <a:r>
+              <a:rPr lang="en-US" dirty="0">
+                <a:solidFill>
+                  <a:srgbClr val="000000"/>
+                </a:solidFill>
+                <a:latin typeface="Consolas" panose="020B0609020204030204" pitchFamily="49" charset="0"/>
+              </a:rPr>
+              <a:t> : </a:t>
+            </a:r>
+            <a:r>
+              <a:rPr lang="en-US" dirty="0" err="1">
+                <a:solidFill>
+                  <a:srgbClr val="000000"/>
+                </a:solidFill>
+                <a:latin typeface="Consolas" panose="020B0609020204030204" pitchFamily="49" charset="0"/>
+              </a:rPr>
+              <a:t>boolean</a:t>
+            </a:r>
+            <a:r>
+              <a:rPr lang="en-US" dirty="0">
+                <a:solidFill>
+                  <a:srgbClr val="000000"/>
+                </a:solidFill>
+                <a:latin typeface="Consolas" panose="020B0609020204030204" pitchFamily="49" charset="0"/>
+              </a:rPr>
+              <a:t> = </a:t>
+            </a:r>
+            <a:r>
+              <a:rPr lang="en-US" dirty="0">
+                <a:solidFill>
+                  <a:srgbClr val="0000FF"/>
+                </a:solidFill>
+                <a:latin typeface="Consolas" panose="020B0609020204030204" pitchFamily="49" charset="0"/>
+              </a:rPr>
+              <a:t>false</a:t>
+            </a:r>
+            <a:endParaRPr lang="en-US" dirty="0">
+              <a:solidFill>
+                <a:srgbClr val="000000"/>
+              </a:solidFill>
+              <a:latin typeface="Consolas" panose="020B0609020204030204" pitchFamily="49" charset="0"/>
+            </a:endParaRPr>
+          </a:p>
+          <a:p>
+            <a:br>
+              <a:rPr lang="en-US" dirty="0">
+                <a:solidFill>
+                  <a:srgbClr val="000000"/>
+                </a:solidFill>
+                <a:latin typeface="Consolas" panose="020B0609020204030204" pitchFamily="49" charset="0"/>
+              </a:rPr>
+            </a:br>
+            <a:r>
+              <a:rPr lang="en-US" dirty="0">
+                <a:solidFill>
+                  <a:srgbClr val="000000"/>
+                </a:solidFill>
+                <a:latin typeface="Consolas" panose="020B0609020204030204" pitchFamily="49" charset="0"/>
+              </a:rPr>
+              <a:t>    </a:t>
+            </a:r>
+            <a:r>
+              <a:rPr lang="en-US" dirty="0">
+                <a:solidFill>
+                  <a:srgbClr val="0000FF"/>
+                </a:solidFill>
+                <a:latin typeface="Consolas" panose="020B0609020204030204" pitchFamily="49" charset="0"/>
+              </a:rPr>
+              <a:t>public</a:t>
+            </a:r>
+            <a:r>
+              <a:rPr lang="en-US" dirty="0">
+                <a:solidFill>
+                  <a:srgbClr val="000000"/>
+                </a:solidFill>
+                <a:latin typeface="Consolas" panose="020B0609020204030204" pitchFamily="49" charset="0"/>
+              </a:rPr>
+              <a:t> </a:t>
+            </a:r>
+            <a:r>
+              <a:rPr lang="en-US" dirty="0">
+                <a:solidFill>
+                  <a:srgbClr val="0000FF"/>
+                </a:solidFill>
+                <a:latin typeface="Consolas" panose="020B0609020204030204" pitchFamily="49" charset="0"/>
+              </a:rPr>
+              <a:t>static</a:t>
+            </a:r>
+            <a:r>
+              <a:rPr lang="en-US" dirty="0">
+                <a:solidFill>
+                  <a:srgbClr val="000000"/>
+                </a:solidFill>
+                <a:latin typeface="Consolas" panose="020B0609020204030204" pitchFamily="49" charset="0"/>
+              </a:rPr>
+              <a:t> </a:t>
+            </a:r>
+            <a:r>
+              <a:rPr lang="en-US" dirty="0" err="1">
+                <a:solidFill>
+                  <a:srgbClr val="000000"/>
+                </a:solidFill>
+                <a:latin typeface="Consolas" panose="020B0609020204030204" pitchFamily="49" charset="0"/>
+              </a:rPr>
+              <a:t>getClock</a:t>
+            </a:r>
+            <a:r>
+              <a:rPr lang="en-US" dirty="0">
+                <a:solidFill>
+                  <a:srgbClr val="000000"/>
+                </a:solidFill>
+                <a:latin typeface="Consolas" panose="020B0609020204030204" pitchFamily="49" charset="0"/>
+              </a:rPr>
+              <a:t>() {</a:t>
+            </a:r>
+          </a:p>
+          <a:p>
+            <a:r>
+              <a:rPr lang="en-US" dirty="0">
+                <a:solidFill>
+                  <a:srgbClr val="000000"/>
+                </a:solidFill>
+                <a:latin typeface="Consolas" panose="020B0609020204030204" pitchFamily="49" charset="0"/>
+              </a:rPr>
+              <a:t>        </a:t>
+            </a:r>
+            <a:r>
+              <a:rPr lang="en-US" dirty="0">
+                <a:solidFill>
+                  <a:srgbClr val="0000FF"/>
+                </a:solidFill>
+                <a:latin typeface="Consolas" panose="020B0609020204030204" pitchFamily="49" charset="0"/>
+              </a:rPr>
+              <a:t>if</a:t>
+            </a:r>
+            <a:r>
+              <a:rPr lang="en-US" dirty="0">
+                <a:solidFill>
+                  <a:srgbClr val="000000"/>
+                </a:solidFill>
+                <a:latin typeface="Consolas" panose="020B0609020204030204" pitchFamily="49" charset="0"/>
+              </a:rPr>
+              <a:t> (!</a:t>
+            </a:r>
+            <a:r>
+              <a:rPr lang="en-US" dirty="0">
+                <a:solidFill>
+                  <a:srgbClr val="0000FF"/>
+                </a:solidFill>
+                <a:latin typeface="Consolas" panose="020B0609020204030204" pitchFamily="49" charset="0"/>
+              </a:rPr>
+              <a:t>this</a:t>
+            </a:r>
+            <a:r>
+              <a:rPr lang="en-US" dirty="0">
+                <a:solidFill>
+                  <a:srgbClr val="000000"/>
+                </a:solidFill>
+                <a:latin typeface="Consolas" panose="020B0609020204030204" pitchFamily="49" charset="0"/>
+              </a:rPr>
+              <a:t>._</a:t>
+            </a:r>
+            <a:r>
+              <a:rPr lang="en-US" dirty="0" err="1">
+                <a:solidFill>
+                  <a:srgbClr val="000000"/>
+                </a:solidFill>
+                <a:latin typeface="Consolas" panose="020B0609020204030204" pitchFamily="49" charset="0"/>
+              </a:rPr>
+              <a:t>isInitialized</a:t>
+            </a:r>
+            <a:r>
+              <a:rPr lang="en-US" dirty="0">
+                <a:solidFill>
+                  <a:srgbClr val="000000"/>
+                </a:solidFill>
+                <a:latin typeface="Consolas" panose="020B0609020204030204" pitchFamily="49" charset="0"/>
+              </a:rPr>
+              <a:t>) {</a:t>
+            </a:r>
+          </a:p>
+          <a:p>
+            <a:r>
+              <a:rPr lang="en-US" dirty="0">
+                <a:solidFill>
+                  <a:srgbClr val="000000"/>
+                </a:solidFill>
+                <a:latin typeface="Consolas" panose="020B0609020204030204" pitchFamily="49" charset="0"/>
+              </a:rPr>
+              <a:t>            </a:t>
+            </a:r>
+            <a:r>
+              <a:rPr lang="en-US" dirty="0">
+                <a:solidFill>
+                  <a:srgbClr val="0000FF"/>
+                </a:solidFill>
+                <a:latin typeface="Consolas" panose="020B0609020204030204" pitchFamily="49" charset="0"/>
+              </a:rPr>
+              <a:t>this</a:t>
+            </a:r>
+            <a:r>
+              <a:rPr lang="en-US" dirty="0">
+                <a:solidFill>
+                  <a:srgbClr val="000000"/>
+                </a:solidFill>
+                <a:latin typeface="Consolas" panose="020B0609020204030204" pitchFamily="49" charset="0"/>
+              </a:rPr>
+              <a:t>._</a:t>
+            </a:r>
+            <a:r>
+              <a:rPr lang="en-US" dirty="0" err="1">
+                <a:solidFill>
+                  <a:srgbClr val="000000"/>
+                </a:solidFill>
+                <a:latin typeface="Consolas" panose="020B0609020204030204" pitchFamily="49" charset="0"/>
+              </a:rPr>
+              <a:t>theClock</a:t>
+            </a:r>
+            <a:r>
+              <a:rPr lang="en-US" dirty="0">
+                <a:solidFill>
+                  <a:srgbClr val="000000"/>
+                </a:solidFill>
+                <a:latin typeface="Consolas" panose="020B0609020204030204" pitchFamily="49" charset="0"/>
+              </a:rPr>
+              <a:t> = </a:t>
+            </a:r>
+            <a:r>
+              <a:rPr lang="en-US" dirty="0">
+                <a:solidFill>
+                  <a:srgbClr val="0000FF"/>
+                </a:solidFill>
+                <a:latin typeface="Consolas" panose="020B0609020204030204" pitchFamily="49" charset="0"/>
+              </a:rPr>
+              <a:t>new</a:t>
+            </a:r>
+            <a:r>
+              <a:rPr lang="en-US" dirty="0">
+                <a:solidFill>
+                  <a:srgbClr val="000000"/>
+                </a:solidFill>
+                <a:latin typeface="Consolas" panose="020B0609020204030204" pitchFamily="49" charset="0"/>
+              </a:rPr>
+              <a:t> Clock()</a:t>
+            </a:r>
+          </a:p>
+          <a:p>
+            <a:r>
+              <a:rPr lang="en-US" dirty="0">
+                <a:solidFill>
+                  <a:srgbClr val="000000"/>
+                </a:solidFill>
+                <a:latin typeface="Consolas" panose="020B0609020204030204" pitchFamily="49" charset="0"/>
+              </a:rPr>
+              <a:t>            </a:t>
+            </a:r>
+            <a:r>
+              <a:rPr lang="en-US" dirty="0">
+                <a:solidFill>
+                  <a:srgbClr val="0000FF"/>
+                </a:solidFill>
+                <a:latin typeface="Consolas" panose="020B0609020204030204" pitchFamily="49" charset="0"/>
+              </a:rPr>
+              <a:t>this</a:t>
+            </a:r>
+            <a:r>
+              <a:rPr lang="en-US" dirty="0">
+                <a:solidFill>
+                  <a:srgbClr val="000000"/>
+                </a:solidFill>
+                <a:latin typeface="Consolas" panose="020B0609020204030204" pitchFamily="49" charset="0"/>
+              </a:rPr>
+              <a:t>._</a:t>
+            </a:r>
+            <a:r>
+              <a:rPr lang="en-US" dirty="0" err="1">
+                <a:solidFill>
+                  <a:srgbClr val="000000"/>
+                </a:solidFill>
+                <a:latin typeface="Consolas" panose="020B0609020204030204" pitchFamily="49" charset="0"/>
+              </a:rPr>
+              <a:t>isInitialized</a:t>
+            </a:r>
+            <a:r>
+              <a:rPr lang="en-US" dirty="0">
+                <a:solidFill>
+                  <a:srgbClr val="000000"/>
+                </a:solidFill>
+                <a:latin typeface="Consolas" panose="020B0609020204030204" pitchFamily="49" charset="0"/>
+              </a:rPr>
+              <a:t> = </a:t>
+            </a:r>
+            <a:r>
+              <a:rPr lang="en-US" dirty="0">
+                <a:solidFill>
+                  <a:srgbClr val="0000FF"/>
+                </a:solidFill>
+                <a:latin typeface="Consolas" panose="020B0609020204030204" pitchFamily="49" charset="0"/>
+              </a:rPr>
+              <a:t>true  </a:t>
+            </a:r>
+            <a:r>
+              <a:rPr lang="en-US" dirty="0">
+                <a:solidFill>
+                  <a:srgbClr val="008000"/>
+                </a:solidFill>
+                <a:latin typeface="Consolas" panose="020B0609020204030204" pitchFamily="49" charset="0"/>
+              </a:rPr>
+              <a:t>// it's initialized now</a:t>
+            </a:r>
+          </a:p>
+          <a:p>
+            <a:r>
+              <a:rPr lang="en-US" dirty="0">
+                <a:solidFill>
+                  <a:srgbClr val="000000"/>
+                </a:solidFill>
+                <a:latin typeface="Consolas" panose="020B0609020204030204" pitchFamily="49" charset="0"/>
+              </a:rPr>
+              <a:t>        }</a:t>
+            </a:r>
+          </a:p>
+          <a:p>
+            <a:r>
+              <a:rPr lang="en-US" dirty="0">
+                <a:solidFill>
+                  <a:srgbClr val="000000"/>
+                </a:solidFill>
+                <a:latin typeface="Consolas" panose="020B0609020204030204" pitchFamily="49" charset="0"/>
+              </a:rPr>
+              <a:t>        </a:t>
+            </a:r>
+            <a:r>
+              <a:rPr lang="en-US" dirty="0">
+                <a:solidFill>
+                  <a:srgbClr val="0000FF"/>
+                </a:solidFill>
+                <a:latin typeface="Consolas" panose="020B0609020204030204" pitchFamily="49" charset="0"/>
+              </a:rPr>
+              <a:t>return</a:t>
+            </a:r>
+            <a:r>
+              <a:rPr lang="en-US" dirty="0">
+                <a:solidFill>
+                  <a:srgbClr val="000000"/>
+                </a:solidFill>
+                <a:latin typeface="Consolas" panose="020B0609020204030204" pitchFamily="49" charset="0"/>
+              </a:rPr>
+              <a:t> </a:t>
+            </a:r>
+            <a:r>
+              <a:rPr lang="en-US" dirty="0">
+                <a:solidFill>
+                  <a:srgbClr val="0000FF"/>
+                </a:solidFill>
+                <a:latin typeface="Consolas" panose="020B0609020204030204" pitchFamily="49" charset="0"/>
+              </a:rPr>
+              <a:t>this</a:t>
+            </a:r>
+            <a:r>
+              <a:rPr lang="en-US" dirty="0">
+                <a:solidFill>
+                  <a:srgbClr val="000000"/>
+                </a:solidFill>
+                <a:latin typeface="Consolas" panose="020B0609020204030204" pitchFamily="49" charset="0"/>
+              </a:rPr>
+              <a:t>._</a:t>
+            </a:r>
+            <a:r>
+              <a:rPr lang="en-US" dirty="0" err="1">
+                <a:solidFill>
+                  <a:srgbClr val="000000"/>
+                </a:solidFill>
+                <a:latin typeface="Consolas" panose="020B0609020204030204" pitchFamily="49" charset="0"/>
+              </a:rPr>
+              <a:t>theClock</a:t>
+            </a:r>
+            <a:endParaRPr lang="en-US" dirty="0">
+              <a:solidFill>
+                <a:srgbClr val="000000"/>
+              </a:solidFill>
+              <a:latin typeface="Consolas" panose="020B0609020204030204" pitchFamily="49" charset="0"/>
+            </a:endParaRPr>
+          </a:p>
+          <a:p>
+            <a:r>
+              <a:rPr lang="en-US" dirty="0">
+                <a:solidFill>
+                  <a:srgbClr val="000000"/>
+                </a:solidFill>
+                <a:latin typeface="Consolas" panose="020B0609020204030204" pitchFamily="49" charset="0"/>
+              </a:rPr>
+              <a:t>    }</a:t>
+            </a:r>
+          </a:p>
+          <a:p>
+            <a:r>
+              <a:rPr lang="en-US" dirty="0">
+                <a:solidFill>
+                  <a:srgbClr val="000000"/>
+                </a:solidFill>
+                <a:latin typeface="Consolas" panose="020B0609020204030204" pitchFamily="49" charset="0"/>
+              </a:rPr>
+              <a:t>}</a:t>
+            </a:r>
+            <a:endParaRPr lang="en-US" b="0" dirty="0">
+              <a:solidFill>
+                <a:srgbClr val="000000"/>
+              </a:solidFill>
+              <a:effectLst/>
+              <a:latin typeface="Consolas" panose="020B0609020204030204" pitchFamily="49" charset="0"/>
+            </a:endParaRPr>
+          </a:p>
+        </p:txBody>
+      </p:sp>
+      <p:sp>
+        <p:nvSpPr>
+          <p:cNvPr id="9" name="Rectangle 8">
+            <a:extLst>
+              <a:ext uri="{FF2B5EF4-FFF2-40B4-BE49-F238E27FC236}">
+                <a16:creationId xmlns:a16="http://schemas.microsoft.com/office/drawing/2014/main" id="{B04DF57E-9581-4025-9C6C-EACC9EC6169D}"/>
+              </a:ext>
+            </a:extLst>
+          </p:cNvPr>
+          <p:cNvSpPr/>
+          <p:nvPr/>
+        </p:nvSpPr>
+        <p:spPr>
+          <a:xfrm>
+            <a:off x="7525062" y="4112328"/>
+            <a:ext cx="3035507" cy="708960"/>
           </a:xfrm>
           <a:prstGeom prst="rect">
             <a:avLst/>
@@ -16046,25 +16488,7 @@
                 </a:solidFill>
                 <a:latin typeface="Ink Free" panose="03080402000500000000" pitchFamily="66" charset="0"/>
               </a:rPr>
-              <a:t>Like the </a:t>
-            </a:r>
-            <a:r>
-              <a:rPr lang="en-US" b="1" dirty="0" err="1">
-                <a:solidFill>
-                  <a:schemeClr val="tx1"/>
-                </a:solidFill>
-                <a:latin typeface="Ink Free" panose="03080402000500000000" pitchFamily="66" charset="0"/>
-              </a:rPr>
-              <a:t>ClockFactory</a:t>
-            </a:r>
-            <a:r>
-              <a:rPr lang="en-US" b="1" dirty="0">
-                <a:solidFill>
-                  <a:schemeClr val="tx1"/>
-                </a:solidFill>
-                <a:latin typeface="Ink Free" panose="03080402000500000000" pitchFamily="66" charset="0"/>
-              </a:rPr>
-              <a:t>, but this one cheats and only makes one clock.</a:t>
+              <a:t>Use a first-time-through switch</a:t>
             </a:r>
           </a:p>
         </p:txBody>
@@ -16109,7 +16533,7 @@
                                       <p:cBhvr>
                                         <p:cTn id="6" dur="1" fill="hold">
                                           <p:stCondLst>
-                                            <p:cond delay="999"/>
+                                            <p:cond delay="9"/>
                                           </p:stCondLst>
                                         </p:cTn>
                                         <p:tgtEl>
@@ -16158,7 +16582,7 @@
                                           </p:stCondLst>
                                         </p:cTn>
                                         <p:tgtEl>
-                                          <p:spTgt spid="7"/>
+                                          <p:spTgt spid="9"/>
                                         </p:tgtEl>
                                         <p:attrNameLst>
                                           <p:attrName>style.visibility</p:attrName>
@@ -16200,7 +16624,7 @@
     </p:tnLst>
     <p:bldLst>
       <p:bldP spid="6" grpId="0" animBg="1"/>
-      <p:bldP spid="7" grpId="0" animBg="1"/>
+      <p:bldP spid="9" grpId="0" animBg="1"/>
     </p:bldLst>
   </p:timing>
 </p:sld>
